--- a/Labo-main/Presentation/Presentation.pptx
+++ b/Labo-main/Presentation/Presentation.pptx
@@ -258,7 +258,7 @@
           <a:p>
             <a:fld id="{48A87A34-81AB-432B-8DAE-1953F412C126}" type="datetimeFigureOut">
               <a:rPr lang="en-US" dirty="0"/>
-              <a:t>1/23/2025</a:t>
+              <a:t>1/24/25</a:t>
             </a:fld>
             <a:endParaRPr lang="en-US" dirty="0"/>
           </a:p>
@@ -464,7 +464,7 @@
           <a:p>
             <a:fld id="{48A87A34-81AB-432B-8DAE-1953F412C126}" type="datetimeFigureOut">
               <a:rPr lang="en-US" dirty="0"/>
-              <a:t>1/23/2025</a:t>
+              <a:t>1/24/25</a:t>
             </a:fld>
             <a:endParaRPr lang="en-US" dirty="0"/>
           </a:p>
@@ -674,7 +674,7 @@
           <a:p>
             <a:fld id="{48A87A34-81AB-432B-8DAE-1953F412C126}" type="datetimeFigureOut">
               <a:rPr lang="en-US" dirty="0"/>
-              <a:t>1/23/2025</a:t>
+              <a:t>1/24/25</a:t>
             </a:fld>
             <a:endParaRPr lang="en-US" dirty="0"/>
           </a:p>
@@ -870,7 +870,7 @@
           <a:p>
             <a:fld id="{48A87A34-81AB-432B-8DAE-1953F412C126}" type="datetimeFigureOut">
               <a:rPr lang="en-US" dirty="0"/>
-              <a:t>1/23/2025</a:t>
+              <a:t>1/24/25</a:t>
             </a:fld>
             <a:endParaRPr lang="en-US" dirty="0"/>
           </a:p>
@@ -1144,7 +1144,7 @@
           <a:p>
             <a:fld id="{48A87A34-81AB-432B-8DAE-1953F412C126}" type="datetimeFigureOut">
               <a:rPr lang="en-US" dirty="0"/>
-              <a:t>1/23/2025</a:t>
+              <a:t>1/24/25</a:t>
             </a:fld>
             <a:endParaRPr lang="en-US" dirty="0"/>
           </a:p>
@@ -1407,7 +1407,7 @@
           <a:p>
             <a:fld id="{48A87A34-81AB-432B-8DAE-1953F412C126}" type="datetimeFigureOut">
               <a:rPr lang="en-US" dirty="0"/>
-              <a:t>1/23/2025</a:t>
+              <a:t>1/24/25</a:t>
             </a:fld>
             <a:endParaRPr lang="en-US" dirty="0"/>
           </a:p>
@@ -1818,7 +1818,7 @@
           <a:p>
             <a:fld id="{48A87A34-81AB-432B-8DAE-1953F412C126}" type="datetimeFigureOut">
               <a:rPr lang="en-US" dirty="0"/>
-              <a:t>1/23/2025</a:t>
+              <a:t>1/24/25</a:t>
             </a:fld>
             <a:endParaRPr lang="en-US" dirty="0"/>
           </a:p>
@@ -1962,7 +1962,7 @@
           <a:p>
             <a:fld id="{48A87A34-81AB-432B-8DAE-1953F412C126}" type="datetimeFigureOut">
               <a:rPr lang="en-US" dirty="0"/>
-              <a:t>1/23/2025</a:t>
+              <a:t>1/24/25</a:t>
             </a:fld>
             <a:endParaRPr lang="en-US" dirty="0"/>
           </a:p>
@@ -2083,7 +2083,7 @@
           <a:p>
             <a:fld id="{48A87A34-81AB-432B-8DAE-1953F412C126}" type="datetimeFigureOut">
               <a:rPr lang="en-US" dirty="0"/>
-              <a:t>1/23/2025</a:t>
+              <a:t>1/24/25</a:t>
             </a:fld>
             <a:endParaRPr lang="en-US" dirty="0"/>
           </a:p>
@@ -2329,7 +2329,7 @@
           <a:p>
             <a:fld id="{48A87A34-81AB-432B-8DAE-1953F412C126}" type="datetimeFigureOut">
               <a:rPr lang="en-US" dirty="0"/>
-              <a:t>1/23/2025</a:t>
+              <a:t>1/24/25</a:t>
             </a:fld>
             <a:endParaRPr lang="en-US" dirty="0"/>
           </a:p>
@@ -2770,7 +2770,7 @@
             <a:fld id="{48A87A34-81AB-432B-8DAE-1953F412C126}" type="datetimeFigureOut">
               <a:rPr lang="en-US" dirty="0"/>
               <a:pPr/>
-              <a:t>1/23/2025</a:t>
+              <a:t>1/24/25</a:t>
             </a:fld>
             <a:endParaRPr lang="en-US" dirty="0"/>
           </a:p>
@@ -3093,7 +3093,7 @@
             <a:fld id="{48A87A34-81AB-432B-8DAE-1953F412C126}" type="datetimeFigureOut">
               <a:rPr lang="en-US" dirty="0"/>
               <a:pPr/>
-              <a:t>1/23/2025</a:t>
+              <a:t>1/24/25</a:t>
             </a:fld>
             <a:endParaRPr lang="en-US" dirty="0"/>
           </a:p>
@@ -5031,10 +5031,9 @@
               </a:lnSpc>
             </a:pPr>
             <a:r>
-              <a:rPr lang="fr-CH" sz="2400" dirty="0" err="1"/>
-              <a:t>Laravel</a:t>
-            </a:r>
-            <a:endParaRPr lang="fr-CH" sz="2400" dirty="0"/>
+              <a:rPr lang="fr-CH" sz="2400" dirty="0"/>
+              <a:t>Flask</a:t>
+            </a:r>
           </a:p>
           <a:p>
             <a:pPr>
